--- a/GATE/Operating System 10% - Completed/PYQ 2018-22.pptx
+++ b/GATE/Operating System 10% - Completed/PYQ 2018-22.pptx
@@ -50,7 +50,11 @@
     <p:sldId id="299" r:id="rId44"/>
     <p:sldId id="297" r:id="rId45"/>
     <p:sldId id="301" r:id="rId46"/>
-    <p:sldId id="300" r:id="rId47"/>
+    <p:sldId id="302" r:id="rId47"/>
+    <p:sldId id="300" r:id="rId48"/>
+    <p:sldId id="303" r:id="rId49"/>
+    <p:sldId id="304" r:id="rId50"/>
+    <p:sldId id="305" r:id="rId51"/>
   </p:sldIdLst>
   <p:sldSz cx="12192000" cy="6858000"/>
   <p:notesSz cx="6858000" cy="9144000"/>
@@ -224,10 +228,18 @@
             <p14:sldId id="297"/>
           </p14:sldIdLst>
         </p14:section>
-        <p14:section name="GATE 2017" id="{11B9AB52-D881-44F8-B8E4-448D53C1D216}">
+        <p14:section name="GATE 2017 01" id="{11B9AB52-D881-44F8-B8E4-448D53C1D216}">
           <p14:sldIdLst>
             <p14:sldId id="301"/>
+          </p14:sldIdLst>
+        </p14:section>
+        <p14:section name="GATE 2017 02" id="{9F9C5E1F-E254-417A-BF82-213BB753D5DC}">
+          <p14:sldIdLst>
+            <p14:sldId id="302"/>
             <p14:sldId id="300"/>
+            <p14:sldId id="303"/>
+            <p14:sldId id="304"/>
+            <p14:sldId id="305"/>
           </p14:sldIdLst>
         </p14:section>
       </p14:sectionLst>
@@ -388,7 +400,7 @@
           <a:p>
             <a:fld id="{1BE69A61-56D1-4AC2-873E-E760A1D37D16}" type="datetimeFigureOut">
               <a:rPr lang="en-IN" smtClean="0"/>
-              <a:t>22-12-2025</a:t>
+              <a:t>23-12-2025</a:t>
             </a:fld>
             <a:endParaRPr lang="en-IN"/>
           </a:p>
@@ -588,7 +600,7 @@
           <a:p>
             <a:fld id="{1BE69A61-56D1-4AC2-873E-E760A1D37D16}" type="datetimeFigureOut">
               <a:rPr lang="en-IN" smtClean="0"/>
-              <a:t>22-12-2025</a:t>
+              <a:t>23-12-2025</a:t>
             </a:fld>
             <a:endParaRPr lang="en-IN"/>
           </a:p>
@@ -798,7 +810,7 @@
           <a:p>
             <a:fld id="{1BE69A61-56D1-4AC2-873E-E760A1D37D16}" type="datetimeFigureOut">
               <a:rPr lang="en-IN" smtClean="0"/>
-              <a:t>22-12-2025</a:t>
+              <a:t>23-12-2025</a:t>
             </a:fld>
             <a:endParaRPr lang="en-IN"/>
           </a:p>
@@ -998,7 +1010,7 @@
           <a:p>
             <a:fld id="{1BE69A61-56D1-4AC2-873E-E760A1D37D16}" type="datetimeFigureOut">
               <a:rPr lang="en-IN" smtClean="0"/>
-              <a:t>22-12-2025</a:t>
+              <a:t>23-12-2025</a:t>
             </a:fld>
             <a:endParaRPr lang="en-IN"/>
           </a:p>
@@ -1274,7 +1286,7 @@
           <a:p>
             <a:fld id="{1BE69A61-56D1-4AC2-873E-E760A1D37D16}" type="datetimeFigureOut">
               <a:rPr lang="en-IN" smtClean="0"/>
-              <a:t>22-12-2025</a:t>
+              <a:t>23-12-2025</a:t>
             </a:fld>
             <a:endParaRPr lang="en-IN"/>
           </a:p>
@@ -1542,7 +1554,7 @@
           <a:p>
             <a:fld id="{1BE69A61-56D1-4AC2-873E-E760A1D37D16}" type="datetimeFigureOut">
               <a:rPr lang="en-IN" smtClean="0"/>
-              <a:t>22-12-2025</a:t>
+              <a:t>23-12-2025</a:t>
             </a:fld>
             <a:endParaRPr lang="en-IN"/>
           </a:p>
@@ -1957,7 +1969,7 @@
           <a:p>
             <a:fld id="{1BE69A61-56D1-4AC2-873E-E760A1D37D16}" type="datetimeFigureOut">
               <a:rPr lang="en-IN" smtClean="0"/>
-              <a:t>22-12-2025</a:t>
+              <a:t>23-12-2025</a:t>
             </a:fld>
             <a:endParaRPr lang="en-IN"/>
           </a:p>
@@ -2099,7 +2111,7 @@
           <a:p>
             <a:fld id="{1BE69A61-56D1-4AC2-873E-E760A1D37D16}" type="datetimeFigureOut">
               <a:rPr lang="en-IN" smtClean="0"/>
-              <a:t>22-12-2025</a:t>
+              <a:t>23-12-2025</a:t>
             </a:fld>
             <a:endParaRPr lang="en-IN"/>
           </a:p>
@@ -2212,7 +2224,7 @@
           <a:p>
             <a:fld id="{1BE69A61-56D1-4AC2-873E-E760A1D37D16}" type="datetimeFigureOut">
               <a:rPr lang="en-IN" smtClean="0"/>
-              <a:t>22-12-2025</a:t>
+              <a:t>23-12-2025</a:t>
             </a:fld>
             <a:endParaRPr lang="en-IN"/>
           </a:p>
@@ -2525,7 +2537,7 @@
           <a:p>
             <a:fld id="{1BE69A61-56D1-4AC2-873E-E760A1D37D16}" type="datetimeFigureOut">
               <a:rPr lang="en-IN" smtClean="0"/>
-              <a:t>22-12-2025</a:t>
+              <a:t>23-12-2025</a:t>
             </a:fld>
             <a:endParaRPr lang="en-IN"/>
           </a:p>
@@ -2814,7 +2826,7 @@
           <a:p>
             <a:fld id="{1BE69A61-56D1-4AC2-873E-E760A1D37D16}" type="datetimeFigureOut">
               <a:rPr lang="en-IN" smtClean="0"/>
-              <a:t>22-12-2025</a:t>
+              <a:t>23-12-2025</a:t>
             </a:fld>
             <a:endParaRPr lang="en-IN"/>
           </a:p>
@@ -3057,7 +3069,7 @@
           <a:p>
             <a:fld id="{1BE69A61-56D1-4AC2-873E-E760A1D37D16}" type="datetimeFigureOut">
               <a:rPr lang="en-IN" smtClean="0"/>
-              <a:t>22-12-2025</a:t>
+              <a:t>23-12-2025</a:t>
             </a:fld>
             <a:endParaRPr lang="en-IN"/>
           </a:p>
@@ -3540,7 +3552,7 @@
         <p:spPr>
           <a:xfrm>
             <a:off x="2943521" y="3195936"/>
-            <a:ext cx="6094428" cy="2308324"/>
+            <a:ext cx="6094428" cy="3046988"/>
           </a:xfrm>
           <a:prstGeom prst="rect">
             <a:avLst/>
@@ -3644,6 +3656,34 @@
             <a:r>
               <a:rPr lang="en-IN" sz="2400" b="1" dirty="0"/>
               <a:t>8 Marks 5 Question</a:t>
+            </a:r>
+          </a:p>
+          <a:p>
+            <a:r>
+              <a:rPr lang="en-IN" sz="2400" b="1" dirty="0">
+                <a:solidFill>
+                  <a:srgbClr val="FF0000"/>
+                </a:solidFill>
+              </a:rPr>
+              <a:t>GATE 2017 01 : </a:t>
+            </a:r>
+            <a:r>
+              <a:rPr lang="en-IN" sz="2400" b="1" dirty="0"/>
+              <a:t>Marks 5 Question</a:t>
+            </a:r>
+          </a:p>
+          <a:p>
+            <a:r>
+              <a:rPr lang="en-IN" sz="2400" b="1" dirty="0">
+                <a:solidFill>
+                  <a:srgbClr val="FF0000"/>
+                </a:solidFill>
+              </a:rPr>
+              <a:t>GATE 2017  02 :  </a:t>
+            </a:r>
+            <a:r>
+              <a:rPr lang="en-IN" sz="2400" b="1" dirty="0"/>
+              <a:t>6 Marks 4 Question</a:t>
             </a:r>
             <a:endParaRPr lang="en-IN" sz="2400" dirty="0"/>
           </a:p>
@@ -6912,10 +6952,365 @@
           <a:chExt cx="0" cy="0"/>
         </a:xfrm>
       </p:grpSpPr>
+      <p:sp>
+        <p:nvSpPr>
+          <p:cNvPr id="2" name="Title 1">
+            <a:extLst>
+              <a:ext uri="{FF2B5EF4-FFF2-40B4-BE49-F238E27FC236}">
+                <a16:creationId xmlns:a16="http://schemas.microsoft.com/office/drawing/2014/main" id="{4FD1D08C-C599-4EFD-BEAE-CA8AAEFBCA46}"/>
+              </a:ext>
+            </a:extLst>
+          </p:cNvPr>
+          <p:cNvSpPr>
+            <a:spLocks noGrp="1"/>
+          </p:cNvSpPr>
+          <p:nvPr>
+            <p:ph type="title"/>
+          </p:nvPr>
+        </p:nvSpPr>
+        <p:spPr>
+          <a:xfrm>
+            <a:off x="3146556" y="3042550"/>
+            <a:ext cx="5898888" cy="1017997"/>
+          </a:xfrm>
+        </p:spPr>
+        <p:txBody>
+          <a:bodyPr>
+            <a:normAutofit fontScale="90000"/>
+          </a:bodyPr>
+          <a:lstStyle/>
+          <a:p>
+            <a:pPr algn="ctr"/>
+            <a:r>
+              <a:rPr lang="en-IN" b="1" dirty="0">
+                <a:solidFill>
+                  <a:srgbClr val="FF0000"/>
+                </a:solidFill>
+              </a:rPr>
+              <a:t>GATE 2017</a:t>
+            </a:r>
+            <a:br>
+              <a:rPr lang="en-IN" b="1" dirty="0">
+                <a:solidFill>
+                  <a:srgbClr val="FF0000"/>
+                </a:solidFill>
+              </a:rPr>
+            </a:br>
+            <a:r>
+              <a:rPr lang="en-IN" b="1" dirty="0">
+                <a:solidFill>
+                  <a:srgbClr val="FF0000"/>
+                </a:solidFill>
+              </a:rPr>
+              <a:t>Shift 02</a:t>
+            </a:r>
+          </a:p>
+        </p:txBody>
+      </p:sp>
+    </p:spTree>
+    <p:extLst>
+      <p:ext uri="{BB962C8B-B14F-4D97-AF65-F5344CB8AC3E}">
+        <p14:creationId xmlns:p14="http://schemas.microsoft.com/office/powerpoint/2010/main" val="3279316219"/>
+      </p:ext>
+    </p:extLst>
+  </p:cSld>
+  <p:clrMapOvr>
+    <a:masterClrMapping/>
+  </p:clrMapOvr>
+</p:sld>
+</file>
+
+<file path=ppt/slides/slide47.xml><?xml version="1.0" encoding="utf-8"?>
+<p:sld xmlns:a="http://schemas.openxmlformats.org/drawingml/2006/main" xmlns:r="http://schemas.openxmlformats.org/officeDocument/2006/relationships" xmlns:p="http://schemas.openxmlformats.org/presentationml/2006/main">
+  <p:cSld>
+    <p:spTree>
+      <p:nvGrpSpPr>
+        <p:cNvPr id="1" name=""/>
+        <p:cNvGrpSpPr/>
+        <p:nvPr/>
+      </p:nvGrpSpPr>
+      <p:grpSpPr>
+        <a:xfrm>
+          <a:off x="0" y="0"/>
+          <a:ext cx="0" cy="0"/>
+          <a:chOff x="0" y="0"/>
+          <a:chExt cx="0" cy="0"/>
+        </a:xfrm>
+      </p:grpSpPr>
+      <p:pic>
+        <p:nvPicPr>
+          <p:cNvPr id="3" name="Picture 2">
+            <a:extLst>
+              <a:ext uri="{FF2B5EF4-FFF2-40B4-BE49-F238E27FC236}">
+                <a16:creationId xmlns:a16="http://schemas.microsoft.com/office/drawing/2014/main" id="{F0D364D8-50FA-4E47-811D-3849D438C72B}"/>
+              </a:ext>
+            </a:extLst>
+          </p:cNvPr>
+          <p:cNvPicPr>
+            <a:picLocks noChangeAspect="1"/>
+          </p:cNvPicPr>
+          <p:nvPr/>
+        </p:nvPicPr>
+        <p:blipFill>
+          <a:blip r:embed="rId2"/>
+          <a:stretch>
+            <a:fillRect/>
+          </a:stretch>
+        </p:blipFill>
+        <p:spPr>
+          <a:xfrm>
+            <a:off x="235268" y="647459"/>
+            <a:ext cx="5540220" cy="5563082"/>
+          </a:xfrm>
+          <a:prstGeom prst="rect">
+            <a:avLst/>
+          </a:prstGeom>
+        </p:spPr>
+      </p:pic>
+      <p:pic>
+        <p:nvPicPr>
+          <p:cNvPr id="5" name="Picture 4">
+            <a:extLst>
+              <a:ext uri="{FF2B5EF4-FFF2-40B4-BE49-F238E27FC236}">
+                <a16:creationId xmlns:a16="http://schemas.microsoft.com/office/drawing/2014/main" id="{CD4B3C0D-D299-41B9-B0AD-E38D92CE3BFB}"/>
+              </a:ext>
+            </a:extLst>
+          </p:cNvPr>
+          <p:cNvPicPr>
+            <a:picLocks noChangeAspect="1"/>
+          </p:cNvPicPr>
+          <p:nvPr/>
+        </p:nvPicPr>
+        <p:blipFill>
+          <a:blip r:embed="rId3"/>
+          <a:stretch>
+            <a:fillRect/>
+          </a:stretch>
+        </p:blipFill>
+        <p:spPr>
+          <a:xfrm>
+            <a:off x="5813654" y="954082"/>
+            <a:ext cx="6211600" cy="4535055"/>
+          </a:xfrm>
+          <a:prstGeom prst="rect">
+            <a:avLst/>
+          </a:prstGeom>
+        </p:spPr>
+      </p:pic>
     </p:spTree>
     <p:extLst>
       <p:ext uri="{BB962C8B-B14F-4D97-AF65-F5344CB8AC3E}">
         <p14:creationId xmlns:p14="http://schemas.microsoft.com/office/powerpoint/2010/main" val="652351880"/>
+      </p:ext>
+    </p:extLst>
+  </p:cSld>
+  <p:clrMapOvr>
+    <a:masterClrMapping/>
+  </p:clrMapOvr>
+</p:sld>
+</file>
+
+<file path=ppt/slides/slide48.xml><?xml version="1.0" encoding="utf-8"?>
+<p:sld xmlns:a="http://schemas.openxmlformats.org/drawingml/2006/main" xmlns:r="http://schemas.openxmlformats.org/officeDocument/2006/relationships" xmlns:p="http://schemas.openxmlformats.org/presentationml/2006/main">
+  <p:cSld>
+    <p:spTree>
+      <p:nvGrpSpPr>
+        <p:cNvPr id="1" name=""/>
+        <p:cNvGrpSpPr/>
+        <p:nvPr/>
+      </p:nvGrpSpPr>
+      <p:grpSpPr>
+        <a:xfrm>
+          <a:off x="0" y="0"/>
+          <a:ext cx="0" cy="0"/>
+          <a:chOff x="0" y="0"/>
+          <a:chExt cx="0" cy="0"/>
+        </a:xfrm>
+      </p:grpSpPr>
+      <p:pic>
+        <p:nvPicPr>
+          <p:cNvPr id="3" name="Picture 2">
+            <a:extLst>
+              <a:ext uri="{FF2B5EF4-FFF2-40B4-BE49-F238E27FC236}">
+                <a16:creationId xmlns:a16="http://schemas.microsoft.com/office/drawing/2014/main" id="{0FC61299-1A16-4F49-9119-5A9C0C943DB4}"/>
+              </a:ext>
+            </a:extLst>
+          </p:cNvPr>
+          <p:cNvPicPr>
+            <a:picLocks noChangeAspect="1"/>
+          </p:cNvPicPr>
+          <p:nvPr/>
+        </p:nvPicPr>
+        <p:blipFill>
+          <a:blip r:embed="rId2"/>
+          <a:stretch>
+            <a:fillRect/>
+          </a:stretch>
+        </p:blipFill>
+        <p:spPr>
+          <a:xfrm>
+            <a:off x="399572" y="561208"/>
+            <a:ext cx="5585944" cy="5471634"/>
+          </a:xfrm>
+          <a:prstGeom prst="rect">
+            <a:avLst/>
+          </a:prstGeom>
+        </p:spPr>
+      </p:pic>
+      <p:pic>
+        <p:nvPicPr>
+          <p:cNvPr id="5" name="Picture 4">
+            <a:extLst>
+              <a:ext uri="{FF2B5EF4-FFF2-40B4-BE49-F238E27FC236}">
+                <a16:creationId xmlns:a16="http://schemas.microsoft.com/office/drawing/2014/main" id="{71D915A0-06AB-4E24-A622-C04BAC3BAE09}"/>
+              </a:ext>
+            </a:extLst>
+          </p:cNvPr>
+          <p:cNvPicPr>
+            <a:picLocks noChangeAspect="1"/>
+          </p:cNvPicPr>
+          <p:nvPr/>
+        </p:nvPicPr>
+        <p:blipFill>
+          <a:blip r:embed="rId3"/>
+          <a:stretch>
+            <a:fillRect/>
+          </a:stretch>
+        </p:blipFill>
+        <p:spPr>
+          <a:xfrm>
+            <a:off x="6275885" y="1701486"/>
+            <a:ext cx="5654530" cy="3002540"/>
+          </a:xfrm>
+          <a:prstGeom prst="rect">
+            <a:avLst/>
+          </a:prstGeom>
+        </p:spPr>
+      </p:pic>
+    </p:spTree>
+    <p:extLst>
+      <p:ext uri="{BB962C8B-B14F-4D97-AF65-F5344CB8AC3E}">
+        <p14:creationId xmlns:p14="http://schemas.microsoft.com/office/powerpoint/2010/main" val="1740204884"/>
+      </p:ext>
+    </p:extLst>
+  </p:cSld>
+  <p:clrMapOvr>
+    <a:masterClrMapping/>
+  </p:clrMapOvr>
+</p:sld>
+</file>
+
+<file path=ppt/slides/slide49.xml><?xml version="1.0" encoding="utf-8"?>
+<p:sld xmlns:a="http://schemas.openxmlformats.org/drawingml/2006/main" xmlns:r="http://schemas.openxmlformats.org/officeDocument/2006/relationships" xmlns:p="http://schemas.openxmlformats.org/presentationml/2006/main">
+  <p:cSld>
+    <p:spTree>
+      <p:nvGrpSpPr>
+        <p:cNvPr id="1" name=""/>
+        <p:cNvGrpSpPr/>
+        <p:nvPr/>
+      </p:nvGrpSpPr>
+      <p:grpSpPr>
+        <a:xfrm>
+          <a:off x="0" y="0"/>
+          <a:ext cx="0" cy="0"/>
+          <a:chOff x="0" y="0"/>
+          <a:chExt cx="0" cy="0"/>
+        </a:xfrm>
+      </p:grpSpPr>
+      <p:pic>
+        <p:nvPicPr>
+          <p:cNvPr id="3" name="Picture 2">
+            <a:extLst>
+              <a:ext uri="{FF2B5EF4-FFF2-40B4-BE49-F238E27FC236}">
+                <a16:creationId xmlns:a16="http://schemas.microsoft.com/office/drawing/2014/main" id="{20C0853E-871D-45E2-9EA9-C5968958CEC1}"/>
+              </a:ext>
+            </a:extLst>
+          </p:cNvPr>
+          <p:cNvPicPr>
+            <a:picLocks noChangeAspect="1"/>
+          </p:cNvPicPr>
+          <p:nvPr/>
+        </p:nvPicPr>
+        <p:blipFill>
+          <a:blip r:embed="rId2"/>
+          <a:stretch>
+            <a:fillRect/>
+          </a:stretch>
+        </p:blipFill>
+        <p:spPr>
+          <a:xfrm>
+            <a:off x="276825" y="190219"/>
+            <a:ext cx="5624047" cy="6477561"/>
+          </a:xfrm>
+          <a:prstGeom prst="rect">
+            <a:avLst/>
+          </a:prstGeom>
+        </p:spPr>
+      </p:pic>
+      <p:pic>
+        <p:nvPicPr>
+          <p:cNvPr id="5" name="Picture 4">
+            <a:extLst>
+              <a:ext uri="{FF2B5EF4-FFF2-40B4-BE49-F238E27FC236}">
+                <a16:creationId xmlns:a16="http://schemas.microsoft.com/office/drawing/2014/main" id="{4AE04465-6917-4567-957E-E27A4113FA89}"/>
+              </a:ext>
+            </a:extLst>
+          </p:cNvPr>
+          <p:cNvPicPr>
+            <a:picLocks noChangeAspect="1"/>
+          </p:cNvPicPr>
+          <p:nvPr/>
+        </p:nvPicPr>
+        <p:blipFill>
+          <a:blip r:embed="rId3"/>
+          <a:stretch>
+            <a:fillRect/>
+          </a:stretch>
+        </p:blipFill>
+        <p:spPr>
+          <a:xfrm>
+            <a:off x="7011255" y="403301"/>
+            <a:ext cx="3825572" cy="6454699"/>
+          </a:xfrm>
+          <a:prstGeom prst="rect">
+            <a:avLst/>
+          </a:prstGeom>
+        </p:spPr>
+      </p:pic>
+      <p:pic>
+        <p:nvPicPr>
+          <p:cNvPr id="7" name="Picture 6">
+            <a:extLst>
+              <a:ext uri="{FF2B5EF4-FFF2-40B4-BE49-F238E27FC236}">
+                <a16:creationId xmlns:a16="http://schemas.microsoft.com/office/drawing/2014/main" id="{DF35B02B-5F2C-44AE-88EC-5EF97EF47F7B}"/>
+              </a:ext>
+            </a:extLst>
+          </p:cNvPr>
+          <p:cNvPicPr>
+            <a:picLocks noChangeAspect="1"/>
+          </p:cNvPicPr>
+          <p:nvPr/>
+        </p:nvPicPr>
+        <p:blipFill>
+          <a:blip r:embed="rId4"/>
+          <a:stretch>
+            <a:fillRect/>
+          </a:stretch>
+        </p:blipFill>
+        <p:spPr>
+          <a:xfrm>
+            <a:off x="7011255" y="40570"/>
+            <a:ext cx="693480" cy="388654"/>
+          </a:xfrm>
+          <a:prstGeom prst="rect">
+            <a:avLst/>
+          </a:prstGeom>
+        </p:spPr>
+      </p:pic>
+    </p:spTree>
+    <p:extLst>
+      <p:ext uri="{BB962C8B-B14F-4D97-AF65-F5344CB8AC3E}">
+        <p14:creationId xmlns:p14="http://schemas.microsoft.com/office/powerpoint/2010/main" val="1715713409"/>
       </p:ext>
     </p:extLst>
   </p:cSld>
@@ -7006,6 +7401,96 @@
     <p:extLst>
       <p:ext uri="{BB962C8B-B14F-4D97-AF65-F5344CB8AC3E}">
         <p14:creationId xmlns:p14="http://schemas.microsoft.com/office/powerpoint/2010/main" val="2297738041"/>
+      </p:ext>
+    </p:extLst>
+  </p:cSld>
+  <p:clrMapOvr>
+    <a:masterClrMapping/>
+  </p:clrMapOvr>
+</p:sld>
+</file>
+
+<file path=ppt/slides/slide50.xml><?xml version="1.0" encoding="utf-8"?>
+<p:sld xmlns:a="http://schemas.openxmlformats.org/drawingml/2006/main" xmlns:r="http://schemas.openxmlformats.org/officeDocument/2006/relationships" xmlns:p="http://schemas.openxmlformats.org/presentationml/2006/main">
+  <p:cSld>
+    <p:spTree>
+      <p:nvGrpSpPr>
+        <p:cNvPr id="1" name=""/>
+        <p:cNvGrpSpPr/>
+        <p:nvPr/>
+      </p:nvGrpSpPr>
+      <p:grpSpPr>
+        <a:xfrm>
+          <a:off x="0" y="0"/>
+          <a:ext cx="0" cy="0"/>
+          <a:chOff x="0" y="0"/>
+          <a:chExt cx="0" cy="0"/>
+        </a:xfrm>
+      </p:grpSpPr>
+      <p:pic>
+        <p:nvPicPr>
+          <p:cNvPr id="3" name="Picture 2">
+            <a:extLst>
+              <a:ext uri="{FF2B5EF4-FFF2-40B4-BE49-F238E27FC236}">
+                <a16:creationId xmlns:a16="http://schemas.microsoft.com/office/drawing/2014/main" id="{85ECA985-979E-4D78-8EAB-E25D3BAECE91}"/>
+              </a:ext>
+            </a:extLst>
+          </p:cNvPr>
+          <p:cNvPicPr>
+            <a:picLocks noChangeAspect="1"/>
+          </p:cNvPicPr>
+          <p:nvPr/>
+        </p:nvPicPr>
+        <p:blipFill>
+          <a:blip r:embed="rId2"/>
+          <a:stretch>
+            <a:fillRect/>
+          </a:stretch>
+        </p:blipFill>
+        <p:spPr>
+          <a:xfrm>
+            <a:off x="111495" y="791794"/>
+            <a:ext cx="6048975" cy="5274412"/>
+          </a:xfrm>
+          <a:prstGeom prst="rect">
+            <a:avLst/>
+          </a:prstGeom>
+        </p:spPr>
+      </p:pic>
+      <p:pic>
+        <p:nvPicPr>
+          <p:cNvPr id="5" name="Picture 4">
+            <a:extLst>
+              <a:ext uri="{FF2B5EF4-FFF2-40B4-BE49-F238E27FC236}">
+                <a16:creationId xmlns:a16="http://schemas.microsoft.com/office/drawing/2014/main" id="{DABBBBA3-3E97-4B3C-AA5E-C0832C6CD747}"/>
+              </a:ext>
+            </a:extLst>
+          </p:cNvPr>
+          <p:cNvPicPr>
+            <a:picLocks noChangeAspect="1"/>
+          </p:cNvPicPr>
+          <p:nvPr/>
+        </p:nvPicPr>
+        <p:blipFill>
+          <a:blip r:embed="rId3"/>
+          <a:stretch>
+            <a:fillRect/>
+          </a:stretch>
+        </p:blipFill>
+        <p:spPr>
+          <a:xfrm>
+            <a:off x="6708877" y="773200"/>
+            <a:ext cx="5052498" cy="5311600"/>
+          </a:xfrm>
+          <a:prstGeom prst="rect">
+            <a:avLst/>
+          </a:prstGeom>
+        </p:spPr>
+      </p:pic>
+    </p:spTree>
+    <p:extLst>
+      <p:ext uri="{BB962C8B-B14F-4D97-AF65-F5344CB8AC3E}">
+        <p14:creationId xmlns:p14="http://schemas.microsoft.com/office/powerpoint/2010/main" val="3798967359"/>
       </p:ext>
     </p:extLst>
   </p:cSld>
